--- a/presentation/DS6306_Proj1_Final_Presentation.pptx
+++ b/presentation/DS6306_Proj1_Final_Presentation.pptx
@@ -222,7 +222,7 @@
           <a:p>
             <a:fld id="{05A716D1-0E3B-43FE-813B-2DAFF8230A94}" type="datetimeFigureOut">
               <a:rPr lang="en-US" smtClean="0"/>
-              <a:t>10/25/2019</a:t>
+              <a:t>10/26/2019</a:t>
             </a:fld>
             <a:endParaRPr lang="en-US"/>
           </a:p>
@@ -3679,10 +3679,10 @@
       </p:pic>
       <p:pic>
         <p:nvPicPr>
-          <p:cNvPr id="4" name="Picture 3">
+          <p:cNvPr id="3" name="Picture 2">
             <a:extLst>
               <a:ext uri="{FF2B5EF4-FFF2-40B4-BE49-F238E27FC236}">
-                <a16:creationId xmlns:a16="http://schemas.microsoft.com/office/drawing/2014/main" id="{0D8EE78C-4A93-4F88-9DFE-DA0CAF66C12F}"/>
+                <a16:creationId xmlns:a16="http://schemas.microsoft.com/office/drawing/2014/main" id="{5FF184EC-3AA0-4044-AC92-F9F322DAD866}"/>
               </a:ext>
             </a:extLst>
           </p:cNvPr>
@@ -3699,8 +3699,8 @@
         </p:blipFill>
         <p:spPr>
           <a:xfrm>
-            <a:off x="4572000" y="3429000"/>
-            <a:ext cx="4457700" cy="1943100"/>
+            <a:off x="5040113" y="3335257"/>
+            <a:ext cx="3359091" cy="2741452"/>
           </a:xfrm>
           <a:prstGeom prst="rect">
             <a:avLst/>
@@ -6846,10 +6846,10 @@
       </p:sp>
       <p:pic>
         <p:nvPicPr>
-          <p:cNvPr id="4" name="Picture 3">
+          <p:cNvPr id="3" name="Picture 2">
             <a:extLst>
               <a:ext uri="{FF2B5EF4-FFF2-40B4-BE49-F238E27FC236}">
-                <a16:creationId xmlns:a16="http://schemas.microsoft.com/office/drawing/2014/main" id="{A5F9EF23-404A-4305-862C-3324E779EBCE}"/>
+                <a16:creationId xmlns:a16="http://schemas.microsoft.com/office/drawing/2014/main" id="{47359223-6B42-45E7-9BF3-ABF059A277DF}"/>
               </a:ext>
             </a:extLst>
           </p:cNvPr>
@@ -6866,8 +6866,8 @@
         </p:blipFill>
         <p:spPr>
           <a:xfrm>
-            <a:off x="1759353" y="3660764"/>
-            <a:ext cx="5883216" cy="1778647"/>
+            <a:off x="2664858" y="3357636"/>
+            <a:ext cx="3814284" cy="1868669"/>
           </a:xfrm>
           <a:prstGeom prst="rect">
             <a:avLst/>
@@ -7391,7 +7391,7 @@
         </p:nvSpPr>
         <p:spPr>
           <a:xfrm>
-            <a:off x="1748897" y="5648344"/>
+            <a:off x="1748897" y="5738648"/>
             <a:ext cx="5810866" cy="369332"/>
           </a:xfrm>
           <a:prstGeom prst="rect">
@@ -7413,10 +7413,10 @@
       </p:sp>
       <p:pic>
         <p:nvPicPr>
-          <p:cNvPr id="4" name="Picture 3">
+          <p:cNvPr id="3" name="Picture 2">
             <a:extLst>
               <a:ext uri="{FF2B5EF4-FFF2-40B4-BE49-F238E27FC236}">
-                <a16:creationId xmlns:a16="http://schemas.microsoft.com/office/drawing/2014/main" id="{5629E3B3-D355-4C3D-A1FE-A60286CDEA7B}"/>
+                <a16:creationId xmlns:a16="http://schemas.microsoft.com/office/drawing/2014/main" id="{1AA8CDB8-E6C7-4E6D-A319-4015B9B92A22}"/>
               </a:ext>
             </a:extLst>
           </p:cNvPr>
@@ -7433,8 +7433,8 @@
         </p:blipFill>
         <p:spPr>
           <a:xfrm>
-            <a:off x="457199" y="3450487"/>
-            <a:ext cx="8203946" cy="2102949"/>
+            <a:off x="2197561" y="3326014"/>
+            <a:ext cx="4748875" cy="2340995"/>
           </a:xfrm>
           <a:prstGeom prst="rect">
             <a:avLst/>
@@ -7578,10 +7578,10 @@
       </p:sp>
       <p:pic>
         <p:nvPicPr>
-          <p:cNvPr id="4" name="Picture 3">
+          <p:cNvPr id="3" name="Picture 2">
             <a:extLst>
               <a:ext uri="{FF2B5EF4-FFF2-40B4-BE49-F238E27FC236}">
-                <a16:creationId xmlns:a16="http://schemas.microsoft.com/office/drawing/2014/main" id="{E89BCB77-434D-47E4-BD67-2DEF625836B7}"/>
+                <a16:creationId xmlns:a16="http://schemas.microsoft.com/office/drawing/2014/main" id="{7E916713-11CD-435D-9CAE-60765E7A5662}"/>
               </a:ext>
             </a:extLst>
           </p:cNvPr>
@@ -7598,8 +7598,8 @@
         </p:blipFill>
         <p:spPr>
           <a:xfrm>
-            <a:off x="556610" y="3443107"/>
-            <a:ext cx="8181244" cy="1786988"/>
+            <a:off x="2296137" y="3182435"/>
+            <a:ext cx="4551726" cy="2047660"/>
           </a:xfrm>
           <a:prstGeom prst="rect">
             <a:avLst/>
